--- a/Class/Slides/01_SMT Parts.pptx
+++ b/Class/Slides/01_SMT Parts.pptx
@@ -295,7 +295,7 @@
           <a:p>
             <a:fld id="{0675A308-8787-9B42-956E-CA40C2F0F6AE}" type="datetimeFigureOut">
               <a:rPr lang="en-US" smtClean="0"/>
-              <a:t>10/10/14</a:t>
+              <a:t>10/14/14</a:t>
             </a:fld>
             <a:endParaRPr lang="en-US"/>
           </a:p>
@@ -465,7 +465,7 @@
           <a:p>
             <a:fld id="{0675A308-8787-9B42-956E-CA40C2F0F6AE}" type="datetimeFigureOut">
               <a:rPr lang="en-US" smtClean="0"/>
-              <a:t>10/10/14</a:t>
+              <a:t>10/14/14</a:t>
             </a:fld>
             <a:endParaRPr lang="en-US"/>
           </a:p>
@@ -645,7 +645,7 @@
           <a:p>
             <a:fld id="{0675A308-8787-9B42-956E-CA40C2F0F6AE}" type="datetimeFigureOut">
               <a:rPr lang="en-US" smtClean="0"/>
-              <a:t>10/10/14</a:t>
+              <a:t>10/14/14</a:t>
             </a:fld>
             <a:endParaRPr lang="en-US"/>
           </a:p>
@@ -815,7 +815,7 @@
           <a:p>
             <a:fld id="{0675A308-8787-9B42-956E-CA40C2F0F6AE}" type="datetimeFigureOut">
               <a:rPr lang="en-US" smtClean="0"/>
-              <a:t>10/10/14</a:t>
+              <a:t>10/14/14</a:t>
             </a:fld>
             <a:endParaRPr lang="en-US"/>
           </a:p>
@@ -1061,7 +1061,7 @@
           <a:p>
             <a:fld id="{0675A308-8787-9B42-956E-CA40C2F0F6AE}" type="datetimeFigureOut">
               <a:rPr lang="en-US" smtClean="0"/>
-              <a:t>10/10/14</a:t>
+              <a:t>10/14/14</a:t>
             </a:fld>
             <a:endParaRPr lang="en-US"/>
           </a:p>
@@ -1349,7 +1349,7 @@
           <a:p>
             <a:fld id="{0675A308-8787-9B42-956E-CA40C2F0F6AE}" type="datetimeFigureOut">
               <a:rPr lang="en-US" smtClean="0"/>
-              <a:t>10/10/14</a:t>
+              <a:t>10/14/14</a:t>
             </a:fld>
             <a:endParaRPr lang="en-US"/>
           </a:p>
@@ -1771,7 +1771,7 @@
           <a:p>
             <a:fld id="{0675A308-8787-9B42-956E-CA40C2F0F6AE}" type="datetimeFigureOut">
               <a:rPr lang="en-US" smtClean="0"/>
-              <a:t>10/10/14</a:t>
+              <a:t>10/14/14</a:t>
             </a:fld>
             <a:endParaRPr lang="en-US"/>
           </a:p>
@@ -1889,7 +1889,7 @@
           <a:p>
             <a:fld id="{0675A308-8787-9B42-956E-CA40C2F0F6AE}" type="datetimeFigureOut">
               <a:rPr lang="en-US" smtClean="0"/>
-              <a:t>10/10/14</a:t>
+              <a:t>10/14/14</a:t>
             </a:fld>
             <a:endParaRPr lang="en-US"/>
           </a:p>
@@ -1984,7 +1984,7 @@
           <a:p>
             <a:fld id="{0675A308-8787-9B42-956E-CA40C2F0F6AE}" type="datetimeFigureOut">
               <a:rPr lang="en-US" smtClean="0"/>
-              <a:t>10/10/14</a:t>
+              <a:t>10/14/14</a:t>
             </a:fld>
             <a:endParaRPr lang="en-US"/>
           </a:p>
@@ -2261,7 +2261,7 @@
           <a:p>
             <a:fld id="{0675A308-8787-9B42-956E-CA40C2F0F6AE}" type="datetimeFigureOut">
               <a:rPr lang="en-US" smtClean="0"/>
-              <a:t>10/10/14</a:t>
+              <a:t>10/14/14</a:t>
             </a:fld>
             <a:endParaRPr lang="en-US"/>
           </a:p>
@@ -2514,7 +2514,7 @@
           <a:p>
             <a:fld id="{0675A308-8787-9B42-956E-CA40C2F0F6AE}" type="datetimeFigureOut">
               <a:rPr lang="en-US" smtClean="0"/>
-              <a:t>10/10/14</a:t>
+              <a:t>10/14/14</a:t>
             </a:fld>
             <a:endParaRPr lang="en-US"/>
           </a:p>
@@ -2727,7 +2727,7 @@
           <a:p>
             <a:fld id="{0675A308-8787-9B42-956E-CA40C2F0F6AE}" type="datetimeFigureOut">
               <a:rPr lang="en-US" smtClean="0"/>
-              <a:t>10/10/14</a:t>
+              <a:t>10/14/14</a:t>
             </a:fld>
             <a:endParaRPr lang="en-US"/>
           </a:p>
